--- a/doc/Corso di Python.pptx
+++ b/doc/Corso di Python.pptx
@@ -150,7 +150,7 @@
 <file path=ppt/revisionInfo.xml><?xml version="1.0" encoding="utf-8"?>
 <p1510:revInfo xmlns:a="http://schemas.openxmlformats.org/drawingml/2006/main" xmlns:r="http://schemas.openxmlformats.org/officeDocument/2006/relationships" xmlns:p1510="http://schemas.microsoft.com/office/powerpoint/2015/10/main">
   <p1510:revLst>
-    <p1510:client id="{40798FA9-2E16-E32E-A9B1-376067BB7BCF}" v="83" dt="2024-09-24T06:48:39.187"/>
+    <p1510:client id="{40798FA9-2E16-E32E-A9B1-376067BB7BCF}" v="129" dt="2024-09-24T10:27:41.508"/>
     <p1510:client id="{4CE9310F-F159-1DDE-65E8-E95B047CF46D}" v="103" dt="2024-09-23T18:13:05.022"/>
   </p1510:revLst>
 </p1510:revInfo>
@@ -877,7 +877,7 @@
             <a:fld id="{B61BEF0D-F0BB-DE4B-95CE-6DB70DBA9567}" type="datetimeFigureOut">
               <a:rPr lang="en-US" dirty="0"/>
               <a:pPr/>
-              <a:t>9/23/2024</a:t>
+              <a:t>9/24/2024</a:t>
             </a:fld>
             <a:endParaRPr lang="en-US" dirty="0"/>
           </a:p>
@@ -1129,7 +1129,7 @@
             <a:fld id="{B61BEF0D-F0BB-DE4B-95CE-6DB70DBA9567}" type="datetimeFigureOut">
               <a:rPr lang="en-US" dirty="0"/>
               <a:pPr/>
-              <a:t>9/23/2024</a:t>
+              <a:t>9/24/2024</a:t>
             </a:fld>
             <a:endParaRPr lang="en-US" dirty="0"/>
           </a:p>
@@ -1444,7 +1444,7 @@
             <a:fld id="{B61BEF0D-F0BB-DE4B-95CE-6DB70DBA9567}" type="datetimeFigureOut">
               <a:rPr lang="en-US" dirty="0"/>
               <a:pPr/>
-              <a:t>9/23/2024</a:t>
+              <a:t>9/24/2024</a:t>
             </a:fld>
             <a:endParaRPr lang="en-US" dirty="0"/>
           </a:p>
@@ -1786,7 +1786,7 @@
             <a:fld id="{B61BEF0D-F0BB-DE4B-95CE-6DB70DBA9567}" type="datetimeFigureOut">
               <a:rPr lang="en-US" dirty="0"/>
               <a:pPr/>
-              <a:t>9/23/2024</a:t>
+              <a:t>9/24/2024</a:t>
             </a:fld>
             <a:endParaRPr lang="en-US" dirty="0"/>
           </a:p>
@@ -2101,7 +2101,7 @@
             <a:fld id="{B61BEF0D-F0BB-DE4B-95CE-6DB70DBA9567}" type="datetimeFigureOut">
               <a:rPr lang="en-US" dirty="0"/>
               <a:pPr/>
-              <a:t>9/23/2024</a:t>
+              <a:t>9/24/2024</a:t>
             </a:fld>
             <a:endParaRPr lang="en-US" dirty="0"/>
           </a:p>
@@ -2495,7 +2495,7 @@
             <a:fld id="{B61BEF0D-F0BB-DE4B-95CE-6DB70DBA9567}" type="datetimeFigureOut">
               <a:rPr lang="en-US" dirty="0"/>
               <a:pPr/>
-              <a:t>9/23/2024</a:t>
+              <a:t>9/24/2024</a:t>
             </a:fld>
             <a:endParaRPr lang="en-US" dirty="0"/>
           </a:p>
@@ -2664,7 +2664,7 @@
           <a:p>
             <a:fld id="{55C6B4A9-1611-4792-9094-5F34BCA07E0B}" type="datetimeFigureOut">
               <a:rPr lang="en-US" dirty="0"/>
-              <a:t>9/23/2024</a:t>
+              <a:t>9/24/2024</a:t>
             </a:fld>
             <a:endParaRPr lang="en-US" dirty="0"/>
           </a:p>
@@ -2843,7 +2843,7 @@
             <a:fld id="{B61BEF0D-F0BB-DE4B-95CE-6DB70DBA9567}" type="datetimeFigureOut">
               <a:rPr lang="en-US" dirty="0"/>
               <a:pPr/>
-              <a:t>9/23/2024</a:t>
+              <a:t>9/24/2024</a:t>
             </a:fld>
             <a:endParaRPr lang="en-US" dirty="0"/>
           </a:p>
@@ -3019,7 +3019,7 @@
             <a:fld id="{B61BEF0D-F0BB-DE4B-95CE-6DB70DBA9567}" type="datetimeFigureOut">
               <a:rPr lang="en-US" dirty="0"/>
               <a:pPr/>
-              <a:t>9/23/2024</a:t>
+              <a:t>9/24/2024</a:t>
             </a:fld>
             <a:endParaRPr lang="en-US" dirty="0"/>
           </a:p>
@@ -3267,7 +3267,7 @@
             <a:fld id="{B61BEF0D-F0BB-DE4B-95CE-6DB70DBA9567}" type="datetimeFigureOut">
               <a:rPr lang="en-US" dirty="0"/>
               <a:pPr/>
-              <a:t>9/23/2024</a:t>
+              <a:t>9/24/2024</a:t>
             </a:fld>
             <a:endParaRPr lang="en-US" dirty="0"/>
           </a:p>
@@ -3497,7 +3497,7 @@
           <a:p>
             <a:fld id="{EB712588-04B1-427B-82EE-E8DB90309F08}" type="datetimeFigureOut">
               <a:rPr lang="en-US" dirty="0"/>
-              <a:t>9/23/2024</a:t>
+              <a:t>9/24/2024</a:t>
             </a:fld>
             <a:endParaRPr lang="en-US" dirty="0"/>
           </a:p>
@@ -3869,7 +3869,7 @@
             <a:fld id="{B61BEF0D-F0BB-DE4B-95CE-6DB70DBA9567}" type="datetimeFigureOut">
               <a:rPr lang="en-US" dirty="0"/>
               <a:pPr/>
-              <a:t>9/23/2024</a:t>
+              <a:t>9/24/2024</a:t>
             </a:fld>
             <a:endParaRPr lang="en-US" dirty="0"/>
           </a:p>
@@ -3993,7 +3993,7 @@
             <a:fld id="{B61BEF0D-F0BB-DE4B-95CE-6DB70DBA9567}" type="datetimeFigureOut">
               <a:rPr lang="en-US" dirty="0"/>
               <a:pPr/>
-              <a:t>9/23/2024</a:t>
+              <a:t>9/24/2024</a:t>
             </a:fld>
             <a:endParaRPr lang="en-US" dirty="0"/>
           </a:p>
@@ -4090,7 +4090,7 @@
             <a:fld id="{B61BEF0D-F0BB-DE4B-95CE-6DB70DBA9567}" type="datetimeFigureOut">
               <a:rPr lang="en-US" dirty="0"/>
               <a:pPr/>
-              <a:t>9/23/2024</a:t>
+              <a:t>9/24/2024</a:t>
             </a:fld>
             <a:endParaRPr lang="en-US" dirty="0"/>
           </a:p>
@@ -4344,7 +4344,7 @@
           <a:p>
             <a:fld id="{42A54C80-263E-416B-A8E0-580EDEADCBDC}" type="datetimeFigureOut">
               <a:rPr lang="en-US" dirty="0"/>
-              <a:t>9/23/2024</a:t>
+              <a:t>9/24/2024</a:t>
             </a:fld>
             <a:endParaRPr lang="en-US" dirty="0"/>
           </a:p>
@@ -4603,7 +4603,7 @@
             <a:fld id="{B61BEF0D-F0BB-DE4B-95CE-6DB70DBA9567}" type="datetimeFigureOut">
               <a:rPr lang="en-US" dirty="0"/>
               <a:pPr/>
-              <a:t>9/23/2024</a:t>
+              <a:t>9/24/2024</a:t>
             </a:fld>
             <a:endParaRPr lang="en-US" dirty="0"/>
           </a:p>
@@ -5346,7 +5346,7 @@
             <a:fld id="{B61BEF0D-F0BB-DE4B-95CE-6DB70DBA9567}" type="datetimeFigureOut">
               <a:rPr lang="en-US" dirty="0"/>
               <a:pPr/>
-              <a:t>9/23/2024</a:t>
+              <a:t>9/24/2024</a:t>
             </a:fld>
             <a:endParaRPr lang="en-US" dirty="0"/>
           </a:p>
@@ -15118,8 +15118,9 @@
           <a:p>
             <a:r>
               <a:rPr lang="it-IT" b="1" dirty="0"/>
-              <a:t>Modulo 6: File, automazione e database</a:t>
-            </a:r>
+              <a:t>Modulo 6: File, database e Web</a:t>
+            </a:r>
+            <a:endParaRPr lang="it-IT" dirty="0"/>
           </a:p>
           <a:p>
             <a:endParaRPr lang="it-IT" dirty="0"/>
@@ -15533,7 +15534,7 @@
           <a:p>
             <a:r>
               <a:rPr lang="it-IT" b="1" dirty="0"/>
-              <a:t>Modulo 6: File, automazione e database</a:t>
+              <a:t>Modulo 6: File, database e Web</a:t>
             </a:r>
             <a:endParaRPr lang="it-IT" dirty="0">
               <a:solidFill>
@@ -15805,13 +15806,9 @@
           <a:p>
             <a:r>
               <a:rPr lang="it-IT" b="1" dirty="0"/>
-              <a:t>Modulo 6: File, automazione e database</a:t>
-            </a:r>
-            <a:endParaRPr lang="it-IT" dirty="0">
-              <a:solidFill>
-                <a:srgbClr val="000000"/>
-              </a:solidFill>
-            </a:endParaRPr>
+              <a:t>Modulo 6: File, database e Web</a:t>
+            </a:r>
+            <a:endParaRPr lang="it-IT" dirty="0"/>
           </a:p>
           <a:p>
             <a:endParaRPr lang="it-IT" b="1" dirty="0"/>
@@ -15879,6 +15876,10 @@
               </a:rPr>
               <a:t>mysql.connector</a:t>
             </a:r>
+            <a:endParaRPr lang="it-IT" sz="1800" dirty="0">
+              <a:ea typeface="+mn-lt"/>
+              <a:cs typeface="+mn-lt"/>
+            </a:endParaRPr>
           </a:p>
           <a:p>
             <a:pPr lvl="2"/>
@@ -15887,28 +15888,7 @@
                 <a:ea typeface="+mn-lt"/>
                 <a:cs typeface="+mn-lt"/>
               </a:rPr>
-              <a:t>Connessione</a:t>
-            </a:r>
-            <a:endParaRPr lang="it-IT" dirty="0"/>
-          </a:p>
-          <a:p>
-            <a:pPr lvl="2"/>
-            <a:r>
-              <a:rPr lang="it-IT" sz="1800" dirty="0">
-                <a:ea typeface="+mn-lt"/>
-                <a:cs typeface="+mn-lt"/>
-              </a:rPr>
-              <a:t>Cursori</a:t>
-            </a:r>
-          </a:p>
-          <a:p>
-            <a:pPr lvl="2"/>
-            <a:r>
-              <a:rPr lang="it-IT" sz="1800" dirty="0">
-                <a:ea typeface="+mn-lt"/>
-                <a:cs typeface="+mn-lt"/>
-              </a:rPr>
-              <a:t>Fetch dei dati (</a:t>
+              <a:t>Cursori e fetch dei dati (</a:t>
             </a:r>
             <a:r>
               <a:rPr lang="it-IT" sz="1800" dirty="0" err="1">
@@ -15946,6 +15926,54 @@
               <a:rPr lang="it-IT" sz="1800" dirty="0"/>
               <a:t>Aggiornamento dei dati</a:t>
             </a:r>
+            <a:endParaRPr lang="it-IT" dirty="0"/>
+          </a:p>
+          <a:p>
+            <a:pPr lvl="1"/>
+            <a:r>
+              <a:rPr lang="it-IT" sz="1800" b="1" dirty="0"/>
+              <a:t>Web</a:t>
+            </a:r>
+            <a:r>
+              <a:rPr lang="it-IT" sz="1800" dirty="0"/>
+              <a:t>:</a:t>
+            </a:r>
+            <a:endParaRPr lang="en-US" sz="1800" dirty="0">
+              <a:solidFill>
+                <a:srgbClr val="000000"/>
+              </a:solidFill>
+            </a:endParaRPr>
+          </a:p>
+          <a:p>
+            <a:pPr lvl="2"/>
+            <a:r>
+              <a:rPr lang="it-IT" sz="1800" dirty="0"/>
+              <a:t>Applicazioni Web con </a:t>
+            </a:r>
+            <a:r>
+              <a:rPr lang="it-IT" sz="1800" dirty="0" err="1"/>
+              <a:t>Flask</a:t>
+            </a:r>
+            <a:endParaRPr lang="en-US" sz="1800" dirty="0" err="1">
+              <a:solidFill>
+                <a:srgbClr val="000000"/>
+              </a:solidFill>
+            </a:endParaRPr>
+          </a:p>
+          <a:p>
+            <a:pPr lvl="2"/>
+            <a:r>
+              <a:rPr lang="it-IT" sz="1800" dirty="0"/>
+              <a:t>@app_route</a:t>
+            </a:r>
+            <a:endParaRPr lang="it-IT" sz="1800" dirty="0">
+              <a:solidFill>
+                <a:srgbClr val="000000"/>
+              </a:solidFill>
+            </a:endParaRPr>
+          </a:p>
+          <a:p>
+            <a:pPr lvl="2"/>
             <a:endParaRPr lang="it-IT" dirty="0"/>
           </a:p>
           <a:p>
